--- a/网络工程/pptp-tcpTLV/ne-03-tcpTLV.pptx
+++ b/网络工程/pptp-tcpTLV/ne-03-tcpTLV.pptx
@@ -5460,7 +5460,7 @@
             </a:r>
             <a:r>
               <a:rPr lang="zh-CN" altLang="en-US" sz="1000"/>
-              <a:t>的</a:t>
+              <a:t>报文中的位置</a:t>
             </a:r>
             <a:endParaRPr lang="zh-CN" altLang="en-US" sz="1000"/>
           </a:p>
